--- a/Zadania/Sudoku.pptx
+++ b/Zadania/Sudoku.pptx
@@ -114,6 +114,11 @@
       </a:defRPr>
     </a:lvl9pPr>
   </p:defaultTextStyle>
+  <p:extLst>
+    <p:ext uri="{EFAFB233-063F-42B5-8137-9DF3F51BA10A}">
+      <p15:sldGuideLst xmlns:p15="http://schemas.microsoft.com/office/powerpoint/2012/main"/>
+    </p:ext>
+  </p:extLst>
 </p:presentation>
 </file>
 
@@ -264,7 +269,7 @@
           <a:p>
             <a:fld id="{A0A8D596-FBF0-3B45-8A23-7124DEB883D8}" type="datetimeFigureOut">
               <a:rPr lang="pl-PL" smtClean="0"/>
-              <a:t>14.05.2018</a:t>
+              <a:t>15.05.2018</a:t>
             </a:fld>
             <a:endParaRPr lang="pl-PL"/>
           </a:p>
@@ -462,7 +467,7 @@
           <a:p>
             <a:fld id="{A0A8D596-FBF0-3B45-8A23-7124DEB883D8}" type="datetimeFigureOut">
               <a:rPr lang="pl-PL" smtClean="0"/>
-              <a:t>14.05.2018</a:t>
+              <a:t>15.05.2018</a:t>
             </a:fld>
             <a:endParaRPr lang="pl-PL"/>
           </a:p>
@@ -670,7 +675,7 @@
           <a:p>
             <a:fld id="{A0A8D596-FBF0-3B45-8A23-7124DEB883D8}" type="datetimeFigureOut">
               <a:rPr lang="pl-PL" smtClean="0"/>
-              <a:t>14.05.2018</a:t>
+              <a:t>15.05.2018</a:t>
             </a:fld>
             <a:endParaRPr lang="pl-PL"/>
           </a:p>
@@ -868,7 +873,7 @@
           <a:p>
             <a:fld id="{A0A8D596-FBF0-3B45-8A23-7124DEB883D8}" type="datetimeFigureOut">
               <a:rPr lang="pl-PL" smtClean="0"/>
-              <a:t>14.05.2018</a:t>
+              <a:t>15.05.2018</a:t>
             </a:fld>
             <a:endParaRPr lang="pl-PL"/>
           </a:p>
@@ -1143,7 +1148,7 @@
           <a:p>
             <a:fld id="{A0A8D596-FBF0-3B45-8A23-7124DEB883D8}" type="datetimeFigureOut">
               <a:rPr lang="pl-PL" smtClean="0"/>
-              <a:t>14.05.2018</a:t>
+              <a:t>15.05.2018</a:t>
             </a:fld>
             <a:endParaRPr lang="pl-PL"/>
           </a:p>
@@ -1408,7 +1413,7 @@
           <a:p>
             <a:fld id="{A0A8D596-FBF0-3B45-8A23-7124DEB883D8}" type="datetimeFigureOut">
               <a:rPr lang="pl-PL" smtClean="0"/>
-              <a:t>14.05.2018</a:t>
+              <a:t>15.05.2018</a:t>
             </a:fld>
             <a:endParaRPr lang="pl-PL"/>
           </a:p>
@@ -1820,7 +1825,7 @@
           <a:p>
             <a:fld id="{A0A8D596-FBF0-3B45-8A23-7124DEB883D8}" type="datetimeFigureOut">
               <a:rPr lang="pl-PL" smtClean="0"/>
-              <a:t>14.05.2018</a:t>
+              <a:t>15.05.2018</a:t>
             </a:fld>
             <a:endParaRPr lang="pl-PL"/>
           </a:p>
@@ -1961,7 +1966,7 @@
           <a:p>
             <a:fld id="{A0A8D596-FBF0-3B45-8A23-7124DEB883D8}" type="datetimeFigureOut">
               <a:rPr lang="pl-PL" smtClean="0"/>
-              <a:t>14.05.2018</a:t>
+              <a:t>15.05.2018</a:t>
             </a:fld>
             <a:endParaRPr lang="pl-PL"/>
           </a:p>
@@ -2074,7 +2079,7 @@
           <a:p>
             <a:fld id="{A0A8D596-FBF0-3B45-8A23-7124DEB883D8}" type="datetimeFigureOut">
               <a:rPr lang="pl-PL" smtClean="0"/>
-              <a:t>14.05.2018</a:t>
+              <a:t>15.05.2018</a:t>
             </a:fld>
             <a:endParaRPr lang="pl-PL"/>
           </a:p>
@@ -2385,7 +2390,7 @@
           <a:p>
             <a:fld id="{A0A8D596-FBF0-3B45-8A23-7124DEB883D8}" type="datetimeFigureOut">
               <a:rPr lang="pl-PL" smtClean="0"/>
-              <a:t>14.05.2018</a:t>
+              <a:t>15.05.2018</a:t>
             </a:fld>
             <a:endParaRPr lang="pl-PL"/>
           </a:p>
@@ -2673,7 +2678,7 @@
           <a:p>
             <a:fld id="{A0A8D596-FBF0-3B45-8A23-7124DEB883D8}" type="datetimeFigureOut">
               <a:rPr lang="pl-PL" smtClean="0"/>
-              <a:t>14.05.2018</a:t>
+              <a:t>15.05.2018</a:t>
             </a:fld>
             <a:endParaRPr lang="pl-PL"/>
           </a:p>
@@ -2914,7 +2919,7 @@
           <a:p>
             <a:fld id="{A0A8D596-FBF0-3B45-8A23-7124DEB883D8}" type="datetimeFigureOut">
               <a:rPr lang="pl-PL" smtClean="0"/>
-              <a:t>14.05.2018</a:t>
+              <a:t>15.05.2018</a:t>
             </a:fld>
             <a:endParaRPr lang="pl-PL"/>
           </a:p>
@@ -4020,22 +4025,36 @@
           <a:bodyPr/>
           <a:lstStyle/>
           <a:p>
+            <a:pPr marL="0" indent="0">
+              <a:lnSpc>
+                <a:spcPct val="150000"/>
+              </a:lnSpc>
+              <a:buNone/>
+            </a:pPr>
             <a:r>
               <a:rPr lang="pl-PL" dirty="0"/>
               <a:t>Zadanie polega na wypełnieniu wszystkich pól liczbami od 1-9, tak aby:</a:t>
             </a:r>
           </a:p>
           <a:p>
-            <a:pPr lvl="1"/>
-            <a:r>
-              <a:rPr lang="pl-PL" dirty="0"/>
+            <a:pPr lvl="1">
+              <a:lnSpc>
+                <a:spcPct val="150000"/>
+              </a:lnSpc>
+            </a:pPr>
+            <a:r>
+              <a:rPr lang="pl-PL" sz="2800" dirty="0"/>
               <a:t>W każdym wierszu i każdej kolumnie znalazła się dokładnie jedna liczba z przedziału 1-9</a:t>
             </a:r>
           </a:p>
           <a:p>
-            <a:pPr lvl="1"/>
-            <a:r>
-              <a:rPr lang="pl-PL" dirty="0"/>
+            <a:pPr lvl="1">
+              <a:lnSpc>
+                <a:spcPct val="150000"/>
+              </a:lnSpc>
+            </a:pPr>
+            <a:r>
+              <a:rPr lang="pl-PL" sz="2800" dirty="0"/>
               <a:t>Także w każdym wyznaczonym kwadracie 3x3 liczby nie mogą się powtarzać</a:t>
             </a:r>
           </a:p>
@@ -4120,6 +4139,11 @@
           <a:bodyPr/>
           <a:lstStyle/>
           <a:p>
+            <a:pPr>
+              <a:lnSpc>
+                <a:spcPct val="150000"/>
+              </a:lnSpc>
+            </a:pPr>
             <a:r>
               <a:rPr lang="pl-PL" dirty="0"/>
               <a:t>Do rozwiązywania </a:t>
@@ -4134,12 +4158,22 @@
             </a:r>
           </a:p>
           <a:p>
+            <a:pPr>
+              <a:lnSpc>
+                <a:spcPct val="150000"/>
+              </a:lnSpc>
+            </a:pPr>
             <a:r>
               <a:rPr lang="pl-PL" dirty="0"/>
               <a:t>Zacznijmy jednak od czegoś prostszego</a:t>
             </a:r>
           </a:p>
           <a:p>
+            <a:pPr>
+              <a:lnSpc>
+                <a:spcPct val="150000"/>
+              </a:lnSpc>
+            </a:pPr>
             <a:r>
               <a:rPr lang="pl-PL" dirty="0"/>
               <a:t>Dostajemy rozwiązane </a:t>
@@ -4238,7 +4272,7 @@
               <a:buNone/>
             </a:pPr>
             <a:r>
-              <a:rPr lang="pl-PL" dirty="0"/>
+              <a:rPr lang="pl-PL" b="1" dirty="0"/>
               <a:t>Dane:</a:t>
             </a:r>
           </a:p>
@@ -4269,7 +4303,7 @@
               <a:buNone/>
             </a:pPr>
             <a:r>
-              <a:rPr lang="pl-PL" dirty="0"/>
+              <a:rPr lang="pl-PL" b="1" dirty="0"/>
               <a:t>Wynik:</a:t>
             </a:r>
           </a:p>
@@ -4390,39 +4424,66 @@
           <a:bodyPr/>
           <a:lstStyle/>
           <a:p>
+            <a:pPr>
+              <a:lnSpc>
+                <a:spcPct val="100000"/>
+              </a:lnSpc>
+            </a:pPr>
             <a:r>
               <a:rPr lang="pl-PL" dirty="0"/>
               <a:t>Rozwiązanie zadania możemy rozbić na kilka części</a:t>
             </a:r>
           </a:p>
           <a:p>
+            <a:pPr>
+              <a:lnSpc>
+                <a:spcPct val="100000"/>
+              </a:lnSpc>
+            </a:pPr>
             <a:r>
               <a:rPr lang="pl-PL" dirty="0"/>
               <a:t>Musimy sprawdzić poprawność:</a:t>
             </a:r>
           </a:p>
           <a:p>
-            <a:pPr lvl="1"/>
+            <a:pPr lvl="1">
+              <a:lnSpc>
+                <a:spcPct val="100000"/>
+              </a:lnSpc>
+            </a:pPr>
             <a:r>
               <a:rPr lang="pl-PL" dirty="0"/>
               <a:t>Kolumn</a:t>
             </a:r>
           </a:p>
           <a:p>
-            <a:pPr lvl="1"/>
+            <a:pPr lvl="1">
+              <a:lnSpc>
+                <a:spcPct val="100000"/>
+              </a:lnSpc>
+            </a:pPr>
             <a:r>
               <a:rPr lang="pl-PL" dirty="0"/>
               <a:t>Wierszy</a:t>
             </a:r>
           </a:p>
           <a:p>
-            <a:pPr lvl="1"/>
+            <a:pPr lvl="1">
+              <a:lnSpc>
+                <a:spcPct val="100000"/>
+              </a:lnSpc>
+            </a:pPr>
             <a:r>
               <a:rPr lang="pl-PL" dirty="0"/>
               <a:t>Kwadratów</a:t>
             </a:r>
           </a:p>
           <a:p>
+            <a:pPr>
+              <a:lnSpc>
+                <a:spcPct val="100000"/>
+              </a:lnSpc>
+            </a:pPr>
             <a:r>
               <a:rPr lang="pl-PL" dirty="0"/>
               <a:t>Test poprawności sprowadza się do sprawdzenia, czy w danym zbiorze znajdują się wszystkie liczby z przedziału [1,9], a każda dokładnie raz</a:t>
@@ -4653,6 +4714,11 @@
           <a:bodyPr/>
           <a:lstStyle/>
           <a:p>
+            <a:pPr>
+              <a:lnSpc>
+                <a:spcPct val="100000"/>
+              </a:lnSpc>
+            </a:pPr>
             <a:r>
               <a:rPr lang="pl-PL" dirty="0"/>
               <a:t>Aby ułatwić sobie napisanie rozwiązania, zdefiniujmy tablicę zawierającą rozwiązanie </a:t>
@@ -4667,23 +4733,25 @@
             </a:r>
           </a:p>
           <a:p>
+            <a:pPr>
+              <a:lnSpc>
+                <a:spcPct val="100000"/>
+              </a:lnSpc>
+            </a:pPr>
             <a:r>
               <a:rPr lang="pl-PL" dirty="0"/>
               <a:t>Dzięki temu nie będziemy musieli przekazywać jej do każdej funkcji</a:t>
             </a:r>
           </a:p>
           <a:p>
+            <a:pPr>
+              <a:lnSpc>
+                <a:spcPct val="100000"/>
+              </a:lnSpc>
+            </a:pPr>
             <a:r>
               <a:rPr lang="pl-PL" dirty="0"/>
-              <a:t>Przekazywanie dwuwymiarowych tablic </a:t>
-            </a:r>
-            <a:r>
-              <a:rPr lang="pl-PL"/>
-              <a:t>do funkcji w </a:t>
-            </a:r>
-            <a:r>
-              <a:rPr lang="pl-PL" dirty="0"/>
-              <a:t>C++ bywa problematyczne</a:t>
+              <a:t>Przekazywanie dwuwymiarowych tablic do funkcji w C++ bywa problematyczne</a:t>
             </a:r>
           </a:p>
         </p:txBody>
